--- a/How has the trending algorithm changed on YouTube between September 2020 and September 2022.pptx
+++ b/How has the trending algorithm changed on YouTube between September 2020 and September 2022.pptx
@@ -257,7 +257,7 @@
           <a:p>
             <a:fld id="{9814D56F-DE5D-47B6-937B-FB57F396B7C1}" type="datetimeFigureOut">
               <a:rPr lang="en-GB" smtClean="0"/>
-              <a:t>21/11/2022</a:t>
+              <a:t>23/11/2022</a:t>
             </a:fld>
             <a:endParaRPr lang="en-GB"/>
           </a:p>
@@ -670,41 +670,7 @@
                 <a:ea typeface="+mn-ea"/>
                 <a:cs typeface="+mn-cs"/>
               </a:rPr>
-              <a:t>Since 2016 </a:t>
-            </a:r>
-            <a:r>
-              <a:rPr kumimoji="0" lang="en-US" sz="2570" b="0" i="0" u="none" strike="noStrike" kern="1200" cap="none" spc="25" normalizeH="0" baseline="0" noProof="0" dirty="0" err="1">
-                <a:ln>
-                  <a:noFill/>
-                </a:ln>
-                <a:solidFill>
-                  <a:srgbClr val="3E2C49"/>
-                </a:solidFill>
-                <a:effectLst/>
-                <a:uLnTx/>
-                <a:uFillTx/>
-                <a:latin typeface="Poppins Light"/>
-                <a:ea typeface="+mn-ea"/>
-                <a:cs typeface="+mn-cs"/>
-              </a:rPr>
-              <a:t>YoTube</a:t>
-            </a:r>
-            <a:r>
-              <a:rPr kumimoji="0" lang="en-US" sz="2570" b="0" i="0" u="none" strike="noStrike" kern="1200" cap="none" spc="25" normalizeH="0" baseline="0" noProof="0" dirty="0">
-                <a:ln>
-                  <a:noFill/>
-                </a:ln>
-                <a:solidFill>
-                  <a:srgbClr val="3E2C49"/>
-                </a:solidFill>
-                <a:effectLst/>
-                <a:uLnTx/>
-                <a:uFillTx/>
-                <a:latin typeface="Poppins Light"/>
-                <a:ea typeface="+mn-ea"/>
-                <a:cs typeface="+mn-cs"/>
-              </a:rPr>
-              <a:t> has been focused on brand safety which has affected the trending algorithm whereas the homepage is more affected by personalization and but so do factors such as </a:t>
+              <a:t>Since 2016 YouTube has been focused on brand safety which has affected the trending algorithm whereas the homepage is more affected by personalization and but so do factors such as </a:t>
             </a:r>
           </a:p>
           <a:p>
@@ -1144,7 +1110,7 @@
             <a:fld id="{1D8BD707-D9CF-40AE-B4C6-C98DA3205C09}" type="datetimeFigureOut">
               <a:rPr lang="en-US" smtClean="0"/>
               <a:pPr/>
-              <a:t>11/21/2022</a:t>
+              <a:t>11/23/2022</a:t>
             </a:fld>
             <a:endParaRPr lang="en-US"/>
           </a:p>
@@ -1309,7 +1275,7 @@
             <a:fld id="{1D8BD707-D9CF-40AE-B4C6-C98DA3205C09}" type="datetimeFigureOut">
               <a:rPr lang="en-US" smtClean="0"/>
               <a:pPr/>
-              <a:t>11/21/2022</a:t>
+              <a:t>11/23/2022</a:t>
             </a:fld>
             <a:endParaRPr lang="en-US"/>
           </a:p>
@@ -1484,7 +1450,7 @@
             <a:fld id="{1D8BD707-D9CF-40AE-B4C6-C98DA3205C09}" type="datetimeFigureOut">
               <a:rPr lang="en-US" smtClean="0"/>
               <a:pPr/>
-              <a:t>11/21/2022</a:t>
+              <a:t>11/23/2022</a:t>
             </a:fld>
             <a:endParaRPr lang="en-US"/>
           </a:p>
@@ -1649,7 +1615,7 @@
             <a:fld id="{1D8BD707-D9CF-40AE-B4C6-C98DA3205C09}" type="datetimeFigureOut">
               <a:rPr lang="en-US" smtClean="0"/>
               <a:pPr/>
-              <a:t>11/21/2022</a:t>
+              <a:t>11/23/2022</a:t>
             </a:fld>
             <a:endParaRPr lang="en-US"/>
           </a:p>
@@ -1891,7 +1857,7 @@
             <a:fld id="{1D8BD707-D9CF-40AE-B4C6-C98DA3205C09}" type="datetimeFigureOut">
               <a:rPr lang="en-US" smtClean="0"/>
               <a:pPr/>
-              <a:t>11/21/2022</a:t>
+              <a:t>11/23/2022</a:t>
             </a:fld>
             <a:endParaRPr lang="en-US"/>
           </a:p>
@@ -2173,7 +2139,7 @@
             <a:fld id="{1D8BD707-D9CF-40AE-B4C6-C98DA3205C09}" type="datetimeFigureOut">
               <a:rPr lang="en-US" smtClean="0"/>
               <a:pPr/>
-              <a:t>11/21/2022</a:t>
+              <a:t>11/23/2022</a:t>
             </a:fld>
             <a:endParaRPr lang="en-US"/>
           </a:p>
@@ -2589,7 +2555,7 @@
             <a:fld id="{1D8BD707-D9CF-40AE-B4C6-C98DA3205C09}" type="datetimeFigureOut">
               <a:rPr lang="en-US" smtClean="0"/>
               <a:pPr/>
-              <a:t>11/21/2022</a:t>
+              <a:t>11/23/2022</a:t>
             </a:fld>
             <a:endParaRPr lang="en-US"/>
           </a:p>
@@ -2703,7 +2669,7 @@
             <a:fld id="{1D8BD707-D9CF-40AE-B4C6-C98DA3205C09}" type="datetimeFigureOut">
               <a:rPr lang="en-US" smtClean="0"/>
               <a:pPr/>
-              <a:t>11/21/2022</a:t>
+              <a:t>11/23/2022</a:t>
             </a:fld>
             <a:endParaRPr lang="en-US"/>
           </a:p>
@@ -2795,7 +2761,7 @@
             <a:fld id="{1D8BD707-D9CF-40AE-B4C6-C98DA3205C09}" type="datetimeFigureOut">
               <a:rPr lang="en-US" smtClean="0"/>
               <a:pPr/>
-              <a:t>11/21/2022</a:t>
+              <a:t>11/23/2022</a:t>
             </a:fld>
             <a:endParaRPr lang="en-US"/>
           </a:p>
@@ -3067,7 +3033,7 @@
             <a:fld id="{1D8BD707-D9CF-40AE-B4C6-C98DA3205C09}" type="datetimeFigureOut">
               <a:rPr lang="en-US" smtClean="0"/>
               <a:pPr/>
-              <a:t>11/21/2022</a:t>
+              <a:t>11/23/2022</a:t>
             </a:fld>
             <a:endParaRPr lang="en-US"/>
           </a:p>
@@ -3316,7 +3282,7 @@
             <a:fld id="{1D8BD707-D9CF-40AE-B4C6-C98DA3205C09}" type="datetimeFigureOut">
               <a:rPr lang="en-US" smtClean="0"/>
               <a:pPr/>
-              <a:t>11/21/2022</a:t>
+              <a:t>11/23/2022</a:t>
             </a:fld>
             <a:endParaRPr lang="en-US"/>
           </a:p>
@@ -3524,7 +3490,7 @@
             <a:fld id="{1D8BD707-D9CF-40AE-B4C6-C98DA3205C09}" type="datetimeFigureOut">
               <a:rPr lang="en-US" smtClean="0"/>
               <a:pPr/>
-              <a:t>11/21/2022</a:t>
+              <a:t>11/23/2022</a:t>
             </a:fld>
             <a:endParaRPr lang="en-US"/>
           </a:p>
@@ -4141,7 +4107,7 @@
         </p:nvGrpSpPr>
         <p:grpSpPr>
           <a:xfrm>
-            <a:off x="72225" y="2209135"/>
+            <a:off x="6997" y="2271134"/>
             <a:ext cx="18288000" cy="6072066"/>
             <a:chOff x="0" y="0"/>
             <a:chExt cx="14716439" cy="4886220"/>
@@ -5746,7 +5712,7 @@
               </a:lnSpc>
             </a:pPr>
             <a:r>
-              <a:rPr lang="en-US" sz="7045">
+              <a:rPr lang="en-US" sz="7045" dirty="0">
                 <a:solidFill>
                   <a:srgbClr val="F1CDD6"/>
                 </a:solidFill>
@@ -5762,7 +5728,7 @@
               </a:lnSpc>
             </a:pPr>
             <a:r>
-              <a:rPr lang="en-US" sz="7045">
+              <a:rPr lang="en-US" sz="7045" dirty="0">
                 <a:solidFill>
                   <a:srgbClr val="F1CDD6"/>
                 </a:solidFill>
@@ -6344,7 +6310,7 @@
               </a:lnSpc>
             </a:pPr>
             <a:r>
-              <a:rPr lang="en-US" sz="7045">
+              <a:rPr lang="en-US" sz="7045" dirty="0">
                 <a:solidFill>
                   <a:srgbClr val="F1CDD6"/>
                 </a:solidFill>
@@ -6360,7 +6326,7 @@
               </a:lnSpc>
             </a:pPr>
             <a:r>
-              <a:rPr lang="en-US" sz="7045">
+              <a:rPr lang="en-US" sz="7045" dirty="0">
                 <a:solidFill>
                   <a:srgbClr val="F1CDD6"/>
                 </a:solidFill>
@@ -7311,7 +7277,7 @@
               </a:lnSpc>
             </a:pPr>
             <a:r>
-              <a:rPr lang="en-US" sz="5829" spc="-58">
+              <a:rPr lang="en-US" sz="5829" spc="-58" dirty="0">
                 <a:solidFill>
                   <a:srgbClr val="F1CDD6"/>
                 </a:solidFill>
@@ -10189,7 +10155,7 @@
               </a:lnSpc>
             </a:pPr>
             <a:r>
-              <a:rPr lang="en-US" sz="5829" spc="-58">
+              <a:rPr lang="en-US" sz="5829" spc="-58" dirty="0">
                 <a:solidFill>
                   <a:srgbClr val="F1CDD6"/>
                 </a:solidFill>
@@ -12859,7 +12825,7 @@
               </a:lnSpc>
             </a:pPr>
             <a:r>
-              <a:rPr lang="en-US" sz="6546" spc="-65">
+              <a:rPr lang="en-US" sz="6546" spc="-65" dirty="0">
                 <a:solidFill>
                   <a:srgbClr val="F1CDD6"/>
                 </a:solidFill>
@@ -13528,7 +13494,7 @@
                 </a:solidFill>
                 <a:latin typeface="Poppins Light"/>
               </a:rPr>
-              <a:t>Th only channels that trended in the top 10 in both 2020 and 2022 were sports channels. Implying that creators can find it hard to stay consistently trending as trending channels in the UK are heavily centered around sports and current events</a:t>
+              <a:t>The only channels that trended in the top 10 in both 2020 and 2022 were sports channels. Implying that creators can find it hard to stay consistently trending as trending channels in the UK are heavily centered around sports and current events</a:t>
             </a:r>
           </a:p>
         </p:txBody>
@@ -15174,7 +15140,7 @@
         <p:spPr>
           <a:xfrm>
             <a:off x="3072347" y="2685457"/>
-            <a:ext cx="12817333" cy="7601543"/>
+            <a:ext cx="12817333" cy="7825347"/>
           </a:xfrm>
           <a:prstGeom prst="rect">
             <a:avLst/>
@@ -15234,25 +15200,7 @@
                 </a:solidFill>
                 <a:latin typeface="Poppins Light"/>
               </a:rPr>
-              <a:t>Are not misleading, </a:t>
-            </a:r>
-            <a:r>
-              <a:rPr lang="en-US" sz="2574" spc="25" dirty="0" err="1">
-                <a:solidFill>
-                  <a:srgbClr val="3E2C49"/>
-                </a:solidFill>
-                <a:latin typeface="Poppins Light"/>
-              </a:rPr>
-              <a:t>clickbaity</a:t>
-            </a:r>
-            <a:r>
-              <a:rPr lang="en-US" sz="2574" spc="25" dirty="0">
-                <a:solidFill>
-                  <a:srgbClr val="3E2C49"/>
-                </a:solidFill>
-                <a:latin typeface="Poppins Light"/>
-              </a:rPr>
-              <a:t> or sensational</a:t>
+              <a:t>Are not misleading, clickbait or sensational</a:t>
             </a:r>
           </a:p>
           <a:p>
@@ -15866,13 +15814,31 @@
               <a:buChar char="•"/>
             </a:pPr>
             <a:r>
-              <a:rPr lang="en-US" sz="2570" spc="25">
+              <a:rPr lang="en-US" sz="2570" spc="25" dirty="0">
                 <a:solidFill>
                   <a:srgbClr val="3E2C49"/>
                 </a:solidFill>
                 <a:latin typeface="Poppins Light"/>
               </a:rPr>
-              <a:t>For this project, I have chosen to analyse the YouTube videos that were ranked as trending in the months of September 2020 and September 2022 in the UK to compare the difference in trending factors between the two years.</a:t>
+              <a:t>For this project, I have chosen to </a:t>
+            </a:r>
+            <a:r>
+              <a:rPr lang="en-US" sz="2570" spc="25" dirty="0" err="1">
+                <a:solidFill>
+                  <a:srgbClr val="3E2C49"/>
+                </a:solidFill>
+                <a:latin typeface="Poppins Light"/>
+              </a:rPr>
+              <a:t>analyse</a:t>
+            </a:r>
+            <a:r>
+              <a:rPr lang="en-US" sz="2570" spc="25" dirty="0">
+                <a:solidFill>
+                  <a:srgbClr val="3E2C49"/>
+                </a:solidFill>
+                <a:latin typeface="Poppins Light"/>
+              </a:rPr>
+              <a:t> the YouTube videos that were ranked as trending in the months of September 2020 and September 2022 in the UK to compare the difference in trending factors between the two years.</a:t>
             </a:r>
           </a:p>
           <a:p>
@@ -15881,7 +15847,7 @@
                 <a:spcPts val="3598"/>
               </a:lnSpc>
             </a:pPr>
-            <a:endParaRPr lang="en-US" sz="2570" spc="25">
+            <a:endParaRPr lang="en-US" sz="2570" spc="25" dirty="0">
               <a:solidFill>
                 <a:srgbClr val="3E2C49"/>
               </a:solidFill>
@@ -15897,7 +15863,7 @@
               <a:buChar char="•"/>
             </a:pPr>
             <a:r>
-              <a:rPr lang="en-US" sz="2570" spc="25">
+              <a:rPr lang="en-US" sz="2570" spc="25" dirty="0">
                 <a:solidFill>
                   <a:srgbClr val="3E2C49"/>
                 </a:solidFill>
@@ -15912,7 +15878,7 @@
                 <a:spcPts val="3598"/>
               </a:lnSpc>
             </a:pPr>
-            <a:endParaRPr lang="en-US" sz="2570" spc="25">
+            <a:endParaRPr lang="en-US" sz="2570" spc="25" dirty="0">
               <a:solidFill>
                 <a:srgbClr val="3E2C49"/>
               </a:solidFill>
@@ -15925,7 +15891,7 @@
                 <a:spcPts val="3598"/>
               </a:lnSpc>
             </a:pPr>
-            <a:endParaRPr lang="en-US" sz="2570" spc="25">
+            <a:endParaRPr lang="en-US" sz="2570" spc="25" dirty="0">
               <a:solidFill>
                 <a:srgbClr val="3E2C49"/>
               </a:solidFill>
@@ -15938,7 +15904,7 @@
                 <a:spcPts val="3598"/>
               </a:lnSpc>
             </a:pPr>
-            <a:endParaRPr lang="en-US" sz="2570" spc="25">
+            <a:endParaRPr lang="en-US" sz="2570" spc="25" dirty="0">
               <a:solidFill>
                 <a:srgbClr val="3E2C49"/>
               </a:solidFill>
@@ -15951,7 +15917,7 @@
                 <a:spcPts val="3598"/>
               </a:lnSpc>
             </a:pPr>
-            <a:endParaRPr lang="en-US" sz="2570" spc="25">
+            <a:endParaRPr lang="en-US" sz="2570" spc="25" dirty="0">
               <a:solidFill>
                 <a:srgbClr val="3E2C49"/>
               </a:solidFill>
@@ -15964,7 +15930,7 @@
                 <a:spcPts val="3598"/>
               </a:lnSpc>
             </a:pPr>
-            <a:endParaRPr lang="en-US" sz="2570" spc="25">
+            <a:endParaRPr lang="en-US" sz="2570" spc="25" dirty="0">
               <a:solidFill>
                 <a:srgbClr val="3E2C49"/>
               </a:solidFill>
@@ -15977,7 +15943,7 @@
                 <a:spcPts val="3598"/>
               </a:lnSpc>
             </a:pPr>
-            <a:endParaRPr lang="en-US" sz="2570" spc="25">
+            <a:endParaRPr lang="en-US" sz="2570" spc="25" dirty="0">
               <a:solidFill>
                 <a:srgbClr val="3E2C49"/>
               </a:solidFill>
@@ -15990,7 +15956,7 @@
                 <a:spcPts val="3598"/>
               </a:lnSpc>
             </a:pPr>
-            <a:endParaRPr lang="en-US" sz="2570" spc="25">
+            <a:endParaRPr lang="en-US" sz="2570" spc="25" dirty="0">
               <a:solidFill>
                 <a:srgbClr val="3E2C49"/>
               </a:solidFill>
@@ -16003,7 +15969,7 @@
                 <a:spcPts val="3598"/>
               </a:lnSpc>
             </a:pPr>
-            <a:endParaRPr lang="en-US" sz="2570" spc="25">
+            <a:endParaRPr lang="en-US" sz="2570" spc="25" dirty="0">
               <a:solidFill>
                 <a:srgbClr val="3E2C49"/>
               </a:solidFill>
@@ -16016,7 +15982,7 @@
                 <a:spcPts val="3598"/>
               </a:lnSpc>
             </a:pPr>
-            <a:endParaRPr lang="en-US" sz="2570" spc="25">
+            <a:endParaRPr lang="en-US" sz="2570" spc="25" dirty="0">
               <a:solidFill>
                 <a:srgbClr val="3E2C49"/>
               </a:solidFill>
@@ -16029,7 +15995,7 @@
                 <a:spcPts val="3598"/>
               </a:lnSpc>
             </a:pPr>
-            <a:endParaRPr lang="en-US" sz="2570" spc="25">
+            <a:endParaRPr lang="en-US" sz="2570" spc="25" dirty="0">
               <a:solidFill>
                 <a:srgbClr val="3E2C49"/>
               </a:solidFill>
@@ -16042,7 +16008,7 @@
                 <a:spcPts val="3598"/>
               </a:lnSpc>
             </a:pPr>
-            <a:endParaRPr lang="en-US" sz="2570" spc="25">
+            <a:endParaRPr lang="en-US" sz="2570" spc="25" dirty="0">
               <a:solidFill>
                 <a:srgbClr val="3E2C49"/>
               </a:solidFill>
